--- a/Poster/BD_poster.pptx
+++ b/Poster/BD_poster.pptx
@@ -466,7 +466,7 @@
               <a:pPr>
                 <a:defRPr/>
               </a:pPr>
-              <a:t>‹nr.›</a:t>
+              <a:t>‹#›</a:t>
             </a:fld>
             <a:endParaRPr lang="nl-NL"/>
           </a:p>
@@ -6939,7 +6939,7 @@
                 </a:solidFill>
                 <a:latin typeface="Calibri" charset="0"/>
               </a:rPr>
-              <a:t>Thomas de Lange (2648586) &amp; &amp; &amp; &amp; &amp;</a:t>
+              <a:t>Thomas de Lange (2648586) &amp; Dalton Harmsen (1293885) &amp; &amp; &amp; &amp;</a:t>
             </a:r>
           </a:p>
         </p:txBody>

--- a/Poster/BD_poster.pptx
+++ b/Poster/BD_poster.pptx
@@ -6877,8 +6877,8 @@
         </p:nvSpPr>
         <p:spPr bwMode="auto">
           <a:xfrm>
-            <a:off x="1763713" y="4214813"/>
-            <a:ext cx="17859375" cy="3119437"/>
+            <a:off x="1763713" y="3856038"/>
+            <a:ext cx="17859375" cy="3632845"/>
           </a:xfrm>
           <a:prstGeom prst="rect">
             <a:avLst/>
@@ -6939,7 +6939,115 @@
                 </a:solidFill>
                 <a:latin typeface="Calibri" charset="0"/>
               </a:rPr>
-              <a:t>Thomas de Lange (2648586) &amp; Dalton Harmsen (1293885) &amp; &amp; &amp; &amp;</a:t>
+              <a:t>Group 23 - Thomas de Lange (2648586) &amp; Dalton Harmsen (1293885) &amp; </a:t>
+            </a:r>
+            <a:r>
+              <a:rPr lang="en-US" sz="2800" b="1" dirty="0" err="1">
+                <a:solidFill>
+                  <a:srgbClr val="FFFFFF"/>
+                </a:solidFill>
+                <a:latin typeface="Calibri" charset="0"/>
+              </a:rPr>
+              <a:t>Roëlle</a:t>
+            </a:r>
+            <a:r>
+              <a:rPr lang="en-US" sz="2800" b="1" dirty="0">
+                <a:solidFill>
+                  <a:srgbClr val="FFFFFF"/>
+                </a:solidFill>
+                <a:latin typeface="Calibri" charset="0"/>
+              </a:rPr>
+              <a:t> </a:t>
+            </a:r>
+            <a:r>
+              <a:rPr lang="en-US" sz="2800" b="1" dirty="0" err="1">
+                <a:solidFill>
+                  <a:srgbClr val="FFFFFF"/>
+                </a:solidFill>
+                <a:latin typeface="Calibri" charset="0"/>
+              </a:rPr>
+              <a:t>Bänffer</a:t>
+            </a:r>
+            <a:r>
+              <a:rPr lang="en-US" sz="2800" b="1" dirty="0">
+                <a:solidFill>
+                  <a:srgbClr val="FFFFFF"/>
+                </a:solidFill>
+                <a:latin typeface="Calibri" charset="0"/>
+              </a:rPr>
+              <a:t> (0000000) &amp; </a:t>
+            </a:r>
+            <a:r>
+              <a:rPr lang="en-US" sz="2800" b="1" dirty="0" err="1">
+                <a:solidFill>
+                  <a:srgbClr val="FFFFFF"/>
+                </a:solidFill>
+                <a:latin typeface="Calibri" charset="0"/>
+              </a:rPr>
+              <a:t>Lieke</a:t>
+            </a:r>
+            <a:r>
+              <a:rPr lang="en-US" sz="2800" b="1" dirty="0">
+                <a:solidFill>
+                  <a:srgbClr val="FFFFFF"/>
+                </a:solidFill>
+                <a:latin typeface="Calibri" charset="0"/>
+              </a:rPr>
+              <a:t> van den </a:t>
+            </a:r>
+            <a:r>
+              <a:rPr lang="en-US" sz="2800" b="1" dirty="0" err="1">
+                <a:solidFill>
+                  <a:srgbClr val="FFFFFF"/>
+                </a:solidFill>
+                <a:latin typeface="Calibri" charset="0"/>
+              </a:rPr>
+              <a:t>Biggelaar</a:t>
+            </a:r>
+            <a:r>
+              <a:rPr lang="en-US" sz="2800" b="1" dirty="0">
+                <a:solidFill>
+                  <a:srgbClr val="FFFFFF"/>
+                </a:solidFill>
+                <a:latin typeface="Calibri" charset="0"/>
+              </a:rPr>
+              <a:t> (0000000) &amp; Rik </a:t>
+            </a:r>
+            <a:r>
+              <a:rPr lang="en-US" sz="2800" b="1" dirty="0" err="1">
+                <a:solidFill>
+                  <a:srgbClr val="FFFFFF"/>
+                </a:solidFill>
+                <a:latin typeface="Calibri" charset="0"/>
+              </a:rPr>
+              <a:t>Litjens</a:t>
+            </a:r>
+            <a:r>
+              <a:rPr lang="en-US" sz="2800" b="1" dirty="0">
+                <a:solidFill>
+                  <a:srgbClr val="FFFFFF"/>
+                </a:solidFill>
+                <a:latin typeface="Calibri" charset="0"/>
+              </a:rPr>
+              <a:t> (0000000) &amp; Marco </a:t>
+            </a:r>
+            <a:r>
+              <a:rPr lang="en-US" sz="2800" b="1" dirty="0" err="1">
+                <a:solidFill>
+                  <a:srgbClr val="FFFFFF"/>
+                </a:solidFill>
+                <a:latin typeface="Calibri" charset="0"/>
+              </a:rPr>
+              <a:t>Pleket</a:t>
+            </a:r>
+            <a:r>
+              <a:rPr lang="en-US" sz="2800" b="1" dirty="0">
+                <a:solidFill>
+                  <a:srgbClr val="FFFFFF"/>
+                </a:solidFill>
+                <a:latin typeface="Calibri" charset="0"/>
+              </a:rPr>
+              <a:t> (0000000)</a:t>
             </a:r>
           </a:p>
         </p:txBody>
@@ -7028,7 +7136,7 @@
                 </a:solidFill>
                 <a:latin typeface="Calibri" charset="0"/>
               </a:rPr>
-              <a:t>Head Text</a:t>
+              <a:t>Question 1</a:t>
             </a:r>
           </a:p>
           <a:p>
@@ -7155,6 +7263,1038 @@
             </a:r>
             <a:endParaRPr lang="en-US" sz="800" dirty="0">
               <a:effectLst/>
+            </a:endParaRPr>
+          </a:p>
+          <a:p>
+            <a:pPr marL="0" marR="0" lvl="0" indent="0" algn="l" defTabSz="2949575" rtl="0" eaLnBrk="1" fontAlgn="base" latinLnBrk="0" hangingPunct="1">
+              <a:lnSpc>
+                <a:spcPts val="3200"/>
+              </a:lnSpc>
+              <a:spcBef>
+                <a:spcPct val="0"/>
+              </a:spcBef>
+              <a:spcAft>
+                <a:spcPct val="0"/>
+              </a:spcAft>
+              <a:buClrTx/>
+              <a:buSzTx/>
+              <a:buFontTx/>
+              <a:buNone/>
+              <a:tabLst/>
+              <a:defRPr/>
+            </a:pPr>
+            <a:endParaRPr kumimoji="0" lang="en-US" sz="2400" b="0" i="0" u="none" strike="noStrike" kern="1200" cap="none" spc="0" normalizeH="0" baseline="0" noProof="0" dirty="0">
+              <a:ln>
+                <a:noFill/>
+              </a:ln>
+              <a:solidFill>
+                <a:srgbClr val="000000"/>
+              </a:solidFill>
+              <a:effectLst/>
+              <a:uLnTx/>
+              <a:uFillTx/>
+              <a:latin typeface="Calibri" charset="0"/>
+              <a:ea typeface="ＭＳ Ｐゴシック" charset="-128"/>
+              <a:cs typeface="+mn-cs"/>
+            </a:endParaRPr>
+          </a:p>
+          <a:p>
+            <a:pPr marL="0" marR="0" lvl="0" indent="0" algn="l" defTabSz="2949575" rtl="0" eaLnBrk="1" fontAlgn="base" latinLnBrk="0" hangingPunct="1">
+              <a:lnSpc>
+                <a:spcPts val="3200"/>
+              </a:lnSpc>
+              <a:spcBef>
+                <a:spcPct val="0"/>
+              </a:spcBef>
+              <a:spcAft>
+                <a:spcPct val="0"/>
+              </a:spcAft>
+              <a:buClrTx/>
+              <a:buSzTx/>
+              <a:buFontTx/>
+              <a:buNone/>
+              <a:tabLst/>
+              <a:defRPr/>
+            </a:pPr>
+            <a:r>
+              <a:rPr lang="en-US" sz="4400" b="1" dirty="0">
+                <a:solidFill>
+                  <a:srgbClr val="0066CC"/>
+                </a:solidFill>
+                <a:latin typeface="Calibri" charset="0"/>
+              </a:rPr>
+              <a:t>Question 2</a:t>
+            </a:r>
+          </a:p>
+          <a:p>
+            <a:pPr marL="0" marR="0" lvl="0" indent="0" algn="l" defTabSz="2949575" rtl="0" eaLnBrk="1" fontAlgn="base" latinLnBrk="0" hangingPunct="1">
+              <a:lnSpc>
+                <a:spcPts val="3200"/>
+              </a:lnSpc>
+              <a:spcBef>
+                <a:spcPct val="0"/>
+              </a:spcBef>
+              <a:spcAft>
+                <a:spcPct val="0"/>
+              </a:spcAft>
+              <a:buClrTx/>
+              <a:buSzTx/>
+              <a:buFontTx/>
+              <a:buNone/>
+              <a:tabLst/>
+              <a:defRPr/>
+            </a:pPr>
+            <a:endParaRPr kumimoji="0" lang="en-US" sz="4400" b="0" i="0" u="none" strike="noStrike" kern="1200" cap="none" spc="0" normalizeH="0" baseline="0" noProof="0" dirty="0">
+              <a:ln>
+                <a:noFill/>
+              </a:ln>
+              <a:solidFill>
+                <a:srgbClr val="000000"/>
+              </a:solidFill>
+              <a:effectLst/>
+              <a:uLnTx/>
+              <a:uFillTx/>
+              <a:latin typeface="Calibri" charset="0"/>
+              <a:ea typeface="ＭＳ Ｐゴシック" charset="-128"/>
+              <a:cs typeface="+mn-cs"/>
+            </a:endParaRPr>
+          </a:p>
+          <a:p>
+            <a:pPr marL="0" marR="0" lvl="0" indent="0" algn="l" defTabSz="2949575" rtl="0" eaLnBrk="1" fontAlgn="base" latinLnBrk="0" hangingPunct="1">
+              <a:lnSpc>
+                <a:spcPts val="3200"/>
+              </a:lnSpc>
+              <a:spcBef>
+                <a:spcPct val="0"/>
+              </a:spcBef>
+              <a:spcAft>
+                <a:spcPct val="0"/>
+              </a:spcAft>
+              <a:buClrTx/>
+              <a:buSzTx/>
+              <a:buFontTx/>
+              <a:buNone/>
+              <a:tabLst/>
+              <a:defRPr/>
+            </a:pPr>
+            <a:r>
+              <a:rPr kumimoji="0" lang="en-US" sz="2400" b="1" i="0" u="none" strike="noStrike" kern="1200" cap="none" spc="0" normalizeH="0" baseline="0" noProof="0" dirty="0">
+                <a:ln>
+                  <a:noFill/>
+                </a:ln>
+                <a:solidFill>
+                  <a:srgbClr val="000000"/>
+                </a:solidFill>
+                <a:effectLst/>
+                <a:uLnTx/>
+                <a:uFillTx/>
+                <a:latin typeface="Calibri" charset="0"/>
+                <a:ea typeface="ＭＳ Ｐゴシック" charset="-128"/>
+                <a:cs typeface="+mn-cs"/>
+              </a:rPr>
+              <a:t>Bold</a:t>
+            </a:r>
+            <a:endParaRPr lang="en-US" sz="4400" b="1" dirty="0">
+              <a:solidFill>
+                <a:srgbClr val="0066CC"/>
+              </a:solidFill>
+              <a:latin typeface="Calibri" charset="0"/>
+            </a:endParaRPr>
+          </a:p>
+          <a:p>
+            <a:pPr marL="0" marR="0" lvl="0" indent="0" algn="l" defTabSz="2949575" rtl="0" eaLnBrk="1" fontAlgn="base" latinLnBrk="0" hangingPunct="1">
+              <a:lnSpc>
+                <a:spcPts val="3200"/>
+              </a:lnSpc>
+              <a:spcBef>
+                <a:spcPct val="0"/>
+              </a:spcBef>
+              <a:spcAft>
+                <a:spcPct val="0"/>
+              </a:spcAft>
+              <a:buClrTx/>
+              <a:buSzTx/>
+              <a:buFontTx/>
+              <a:buNone/>
+              <a:tabLst/>
+              <a:defRPr/>
+            </a:pPr>
+            <a:r>
+              <a:rPr kumimoji="0" lang="en-US" sz="2400" b="0" i="0" u="none" strike="noStrike" kern="1200" cap="none" spc="0" normalizeH="0" baseline="0" noProof="0" dirty="0">
+                <a:ln>
+                  <a:noFill/>
+                </a:ln>
+                <a:solidFill>
+                  <a:srgbClr val="000000"/>
+                </a:solidFill>
+                <a:effectLst/>
+                <a:uLnTx/>
+                <a:uFillTx/>
+                <a:latin typeface="Calibri" charset="0"/>
+                <a:ea typeface="ＭＳ Ｐゴシック" charset="-128"/>
+                <a:cs typeface="+mn-cs"/>
+              </a:rPr>
+              <a:t>Text</a:t>
+            </a:r>
+          </a:p>
+          <a:p>
+            <a:pPr marL="0" marR="0" lvl="0" indent="0" algn="l" defTabSz="2949575" rtl="0" eaLnBrk="1" fontAlgn="base" latinLnBrk="0" hangingPunct="1">
+              <a:lnSpc>
+                <a:spcPts val="3200"/>
+              </a:lnSpc>
+              <a:spcBef>
+                <a:spcPct val="0"/>
+              </a:spcBef>
+              <a:spcAft>
+                <a:spcPct val="0"/>
+              </a:spcAft>
+              <a:buClrTx/>
+              <a:buSzTx/>
+              <a:buFontTx/>
+              <a:buNone/>
+              <a:tabLst/>
+              <a:defRPr/>
+            </a:pPr>
+            <a:endParaRPr kumimoji="0" lang="en-US" sz="2400" b="0" i="0" u="none" strike="noStrike" kern="1200" cap="none" spc="0" normalizeH="0" baseline="0" noProof="0" dirty="0">
+              <a:ln>
+                <a:noFill/>
+              </a:ln>
+              <a:solidFill>
+                <a:srgbClr val="000000"/>
+              </a:solidFill>
+              <a:effectLst/>
+              <a:uLnTx/>
+              <a:uFillTx/>
+              <a:latin typeface="Calibri" charset="0"/>
+              <a:ea typeface="ＭＳ Ｐゴシック" charset="-128"/>
+              <a:cs typeface="+mn-cs"/>
+            </a:endParaRPr>
+          </a:p>
+          <a:p>
+            <a:pPr marL="0" marR="0" lvl="0" indent="0" algn="l" defTabSz="2949575" rtl="0" eaLnBrk="1" fontAlgn="base" latinLnBrk="0" hangingPunct="1">
+              <a:lnSpc>
+                <a:spcPts val="3200"/>
+              </a:lnSpc>
+              <a:spcBef>
+                <a:spcPct val="0"/>
+              </a:spcBef>
+              <a:spcAft>
+                <a:spcPct val="0"/>
+              </a:spcAft>
+              <a:buClrTx/>
+              <a:buSzTx/>
+              <a:buFontTx/>
+              <a:buNone/>
+              <a:tabLst/>
+              <a:defRPr/>
+            </a:pPr>
+            <a:endParaRPr kumimoji="0" lang="en-US" sz="2400" b="0" i="0" u="none" strike="noStrike" kern="1200" cap="none" spc="0" normalizeH="0" baseline="0" noProof="0" dirty="0">
+              <a:ln>
+                <a:noFill/>
+              </a:ln>
+              <a:solidFill>
+                <a:srgbClr val="000000"/>
+              </a:solidFill>
+              <a:effectLst/>
+              <a:uLnTx/>
+              <a:uFillTx/>
+              <a:latin typeface="Calibri" charset="0"/>
+              <a:ea typeface="ＭＳ Ｐゴシック" charset="-128"/>
+              <a:cs typeface="+mn-cs"/>
+            </a:endParaRPr>
+          </a:p>
+          <a:p>
+            <a:pPr marL="0" marR="0" lvl="0" indent="0" algn="l" defTabSz="2949575" rtl="0" eaLnBrk="1" fontAlgn="base" latinLnBrk="0" hangingPunct="1">
+              <a:lnSpc>
+                <a:spcPts val="3200"/>
+              </a:lnSpc>
+              <a:spcBef>
+                <a:spcPct val="0"/>
+              </a:spcBef>
+              <a:spcAft>
+                <a:spcPct val="0"/>
+              </a:spcAft>
+              <a:buClrTx/>
+              <a:buSzTx/>
+              <a:buFontTx/>
+              <a:buNone/>
+              <a:tabLst/>
+              <a:defRPr/>
+            </a:pPr>
+            <a:r>
+              <a:rPr kumimoji="0" lang="en-US" sz="4400" b="1" i="0" u="none" strike="noStrike" kern="1200" cap="none" spc="0" normalizeH="0" baseline="0" noProof="0" dirty="0">
+                <a:ln>
+                  <a:noFill/>
+                </a:ln>
+                <a:solidFill>
+                  <a:srgbClr val="0066CC"/>
+                </a:solidFill>
+                <a:effectLst/>
+                <a:uLnTx/>
+                <a:uFillTx/>
+                <a:latin typeface="Calibri" charset="0"/>
+                <a:ea typeface="ＭＳ Ｐゴシック" charset="-128"/>
+                <a:cs typeface="+mn-cs"/>
+              </a:rPr>
+              <a:t>Question 3</a:t>
+            </a:r>
+          </a:p>
+          <a:p>
+            <a:pPr marL="0" marR="0" lvl="0" indent="0" algn="l" defTabSz="2949575" rtl="0" eaLnBrk="1" fontAlgn="base" latinLnBrk="0" hangingPunct="1">
+              <a:lnSpc>
+                <a:spcPts val="3200"/>
+              </a:lnSpc>
+              <a:spcBef>
+                <a:spcPct val="0"/>
+              </a:spcBef>
+              <a:spcAft>
+                <a:spcPct val="0"/>
+              </a:spcAft>
+              <a:buClrTx/>
+              <a:buSzTx/>
+              <a:buFontTx/>
+              <a:buNone/>
+              <a:tabLst/>
+              <a:defRPr/>
+            </a:pPr>
+            <a:endParaRPr kumimoji="0" lang="en-US" sz="4400" b="0" i="0" u="none" strike="noStrike" kern="1200" cap="none" spc="0" normalizeH="0" baseline="0" noProof="0" dirty="0">
+              <a:ln>
+                <a:noFill/>
+              </a:ln>
+              <a:solidFill>
+                <a:srgbClr val="000000"/>
+              </a:solidFill>
+              <a:effectLst/>
+              <a:uLnTx/>
+              <a:uFillTx/>
+              <a:latin typeface="Calibri" charset="0"/>
+              <a:ea typeface="ＭＳ Ｐゴシック" charset="-128"/>
+              <a:cs typeface="+mn-cs"/>
+            </a:endParaRPr>
+          </a:p>
+          <a:p>
+            <a:pPr marL="0" marR="0" lvl="0" indent="0" algn="l" defTabSz="2949575" rtl="0" eaLnBrk="1" fontAlgn="base" latinLnBrk="0" hangingPunct="1">
+              <a:lnSpc>
+                <a:spcPts val="3200"/>
+              </a:lnSpc>
+              <a:spcBef>
+                <a:spcPct val="0"/>
+              </a:spcBef>
+              <a:spcAft>
+                <a:spcPct val="0"/>
+              </a:spcAft>
+              <a:buClrTx/>
+              <a:buSzTx/>
+              <a:buFontTx/>
+              <a:buNone/>
+              <a:tabLst/>
+              <a:defRPr/>
+            </a:pPr>
+            <a:r>
+              <a:rPr kumimoji="0" lang="en-US" sz="2400" b="1" i="0" u="none" strike="noStrike" kern="1200" cap="none" spc="0" normalizeH="0" baseline="0" noProof="0" dirty="0">
+                <a:ln>
+                  <a:noFill/>
+                </a:ln>
+                <a:solidFill>
+                  <a:srgbClr val="000000"/>
+                </a:solidFill>
+                <a:effectLst/>
+                <a:uLnTx/>
+                <a:uFillTx/>
+                <a:latin typeface="Calibri" charset="0"/>
+                <a:ea typeface="ＭＳ Ｐゴシック" charset="-128"/>
+                <a:cs typeface="+mn-cs"/>
+              </a:rPr>
+              <a:t>Bold</a:t>
+            </a:r>
+            <a:endParaRPr kumimoji="0" lang="en-US" sz="4400" b="1" i="0" u="none" strike="noStrike" kern="1200" cap="none" spc="0" normalizeH="0" baseline="0" noProof="0" dirty="0">
+              <a:ln>
+                <a:noFill/>
+              </a:ln>
+              <a:solidFill>
+                <a:srgbClr val="0066CC"/>
+              </a:solidFill>
+              <a:effectLst/>
+              <a:uLnTx/>
+              <a:uFillTx/>
+              <a:latin typeface="Calibri" charset="0"/>
+              <a:ea typeface="ＭＳ Ｐゴシック" charset="-128"/>
+              <a:cs typeface="+mn-cs"/>
+            </a:endParaRPr>
+          </a:p>
+          <a:p>
+            <a:pPr marL="0" marR="0" lvl="0" indent="0" algn="l" defTabSz="2949575" rtl="0" eaLnBrk="1" fontAlgn="base" latinLnBrk="0" hangingPunct="1">
+              <a:lnSpc>
+                <a:spcPts val="3200"/>
+              </a:lnSpc>
+              <a:spcBef>
+                <a:spcPct val="0"/>
+              </a:spcBef>
+              <a:spcAft>
+                <a:spcPct val="0"/>
+              </a:spcAft>
+              <a:buClrTx/>
+              <a:buSzTx/>
+              <a:buFontTx/>
+              <a:buNone/>
+              <a:tabLst/>
+              <a:defRPr/>
+            </a:pPr>
+            <a:r>
+              <a:rPr kumimoji="0" lang="en-US" sz="2400" b="0" i="0" u="none" strike="noStrike" kern="1200" cap="none" spc="0" normalizeH="0" baseline="0" noProof="0" dirty="0">
+                <a:ln>
+                  <a:noFill/>
+                </a:ln>
+                <a:solidFill>
+                  <a:srgbClr val="000000"/>
+                </a:solidFill>
+                <a:effectLst/>
+                <a:uLnTx/>
+                <a:uFillTx/>
+                <a:latin typeface="Calibri" charset="0"/>
+                <a:ea typeface="ＭＳ Ｐゴシック" charset="-128"/>
+                <a:cs typeface="+mn-cs"/>
+              </a:rPr>
+              <a:t>Text</a:t>
+            </a:r>
+          </a:p>
+          <a:p>
+            <a:pPr marL="0" marR="0" lvl="0" indent="0" algn="l" defTabSz="2949575" rtl="0" eaLnBrk="1" fontAlgn="base" latinLnBrk="0" hangingPunct="1">
+              <a:lnSpc>
+                <a:spcPts val="3200"/>
+              </a:lnSpc>
+              <a:spcBef>
+                <a:spcPct val="0"/>
+              </a:spcBef>
+              <a:spcAft>
+                <a:spcPct val="0"/>
+              </a:spcAft>
+              <a:buClrTx/>
+              <a:buSzTx/>
+              <a:buFontTx/>
+              <a:buNone/>
+              <a:tabLst/>
+              <a:defRPr/>
+            </a:pPr>
+            <a:endParaRPr lang="en-US" sz="2400" dirty="0">
+              <a:solidFill>
+                <a:srgbClr val="000000"/>
+              </a:solidFill>
+              <a:latin typeface="Calibri" charset="0"/>
+            </a:endParaRPr>
+          </a:p>
+          <a:p>
+            <a:pPr marL="0" marR="0" lvl="0" indent="0" algn="l" defTabSz="2949575" rtl="0" eaLnBrk="1" fontAlgn="base" latinLnBrk="0" hangingPunct="1">
+              <a:lnSpc>
+                <a:spcPts val="3200"/>
+              </a:lnSpc>
+              <a:spcBef>
+                <a:spcPct val="0"/>
+              </a:spcBef>
+              <a:spcAft>
+                <a:spcPct val="0"/>
+              </a:spcAft>
+              <a:buClrTx/>
+              <a:buSzTx/>
+              <a:buFontTx/>
+              <a:buNone/>
+              <a:tabLst/>
+              <a:defRPr/>
+            </a:pPr>
+            <a:r>
+              <a:rPr kumimoji="0" lang="en-US" sz="4400" b="1" i="0" u="none" strike="noStrike" kern="1200" cap="none" spc="0" normalizeH="0" baseline="0" noProof="0" dirty="0">
+                <a:ln>
+                  <a:noFill/>
+                </a:ln>
+                <a:solidFill>
+                  <a:srgbClr val="0066CC"/>
+                </a:solidFill>
+                <a:effectLst/>
+                <a:uLnTx/>
+                <a:uFillTx/>
+                <a:latin typeface="Calibri" charset="0"/>
+                <a:ea typeface="ＭＳ Ｐゴシック" charset="-128"/>
+                <a:cs typeface="+mn-cs"/>
+              </a:rPr>
+              <a:t>Question 4</a:t>
+            </a:r>
+          </a:p>
+          <a:p>
+            <a:pPr marL="0" marR="0" lvl="0" indent="0" algn="l" defTabSz="2949575" rtl="0" eaLnBrk="1" fontAlgn="base" latinLnBrk="0" hangingPunct="1">
+              <a:lnSpc>
+                <a:spcPts val="3200"/>
+              </a:lnSpc>
+              <a:spcBef>
+                <a:spcPct val="0"/>
+              </a:spcBef>
+              <a:spcAft>
+                <a:spcPct val="0"/>
+              </a:spcAft>
+              <a:buClrTx/>
+              <a:buSzTx/>
+              <a:buFontTx/>
+              <a:buNone/>
+              <a:tabLst/>
+              <a:defRPr/>
+            </a:pPr>
+            <a:endParaRPr kumimoji="0" lang="en-US" sz="4400" b="0" i="0" u="none" strike="noStrike" kern="1200" cap="none" spc="0" normalizeH="0" baseline="0" noProof="0" dirty="0">
+              <a:ln>
+                <a:noFill/>
+              </a:ln>
+              <a:solidFill>
+                <a:srgbClr val="000000"/>
+              </a:solidFill>
+              <a:effectLst/>
+              <a:uLnTx/>
+              <a:uFillTx/>
+              <a:latin typeface="Calibri" charset="0"/>
+              <a:ea typeface="ＭＳ Ｐゴシック" charset="-128"/>
+              <a:cs typeface="+mn-cs"/>
+            </a:endParaRPr>
+          </a:p>
+          <a:p>
+            <a:pPr marL="0" marR="0" lvl="0" indent="0" algn="l" defTabSz="2949575" rtl="0" eaLnBrk="1" fontAlgn="base" latinLnBrk="0" hangingPunct="1">
+              <a:lnSpc>
+                <a:spcPts val="3200"/>
+              </a:lnSpc>
+              <a:spcBef>
+                <a:spcPct val="0"/>
+              </a:spcBef>
+              <a:spcAft>
+                <a:spcPct val="0"/>
+              </a:spcAft>
+              <a:buClrTx/>
+              <a:buSzTx/>
+              <a:buFontTx/>
+              <a:buNone/>
+              <a:tabLst/>
+              <a:defRPr/>
+            </a:pPr>
+            <a:r>
+              <a:rPr kumimoji="0" lang="en-US" sz="2400" b="1" i="0" u="none" strike="noStrike" kern="1200" cap="none" spc="0" normalizeH="0" baseline="0" noProof="0" dirty="0">
+                <a:ln>
+                  <a:noFill/>
+                </a:ln>
+                <a:solidFill>
+                  <a:srgbClr val="000000"/>
+                </a:solidFill>
+                <a:effectLst/>
+                <a:uLnTx/>
+                <a:uFillTx/>
+                <a:latin typeface="Calibri" charset="0"/>
+                <a:ea typeface="ＭＳ Ｐゴシック" charset="-128"/>
+                <a:cs typeface="+mn-cs"/>
+              </a:rPr>
+              <a:t>Bold</a:t>
+            </a:r>
+            <a:endParaRPr kumimoji="0" lang="en-US" sz="4400" b="1" i="0" u="none" strike="noStrike" kern="1200" cap="none" spc="0" normalizeH="0" baseline="0" noProof="0" dirty="0">
+              <a:ln>
+                <a:noFill/>
+              </a:ln>
+              <a:solidFill>
+                <a:srgbClr val="0066CC"/>
+              </a:solidFill>
+              <a:effectLst/>
+              <a:uLnTx/>
+              <a:uFillTx/>
+              <a:latin typeface="Calibri" charset="0"/>
+              <a:ea typeface="ＭＳ Ｐゴシック" charset="-128"/>
+              <a:cs typeface="+mn-cs"/>
+            </a:endParaRPr>
+          </a:p>
+          <a:p>
+            <a:pPr marL="0" marR="0" lvl="0" indent="0" algn="l" defTabSz="2949575" rtl="0" eaLnBrk="1" fontAlgn="base" latinLnBrk="0" hangingPunct="1">
+              <a:lnSpc>
+                <a:spcPts val="3200"/>
+              </a:lnSpc>
+              <a:spcBef>
+                <a:spcPct val="0"/>
+              </a:spcBef>
+              <a:spcAft>
+                <a:spcPct val="0"/>
+              </a:spcAft>
+              <a:buClrTx/>
+              <a:buSzTx/>
+              <a:buFontTx/>
+              <a:buNone/>
+              <a:tabLst/>
+              <a:defRPr/>
+            </a:pPr>
+            <a:r>
+              <a:rPr kumimoji="0" lang="en-US" sz="2400" b="0" i="0" u="none" strike="noStrike" kern="1200" cap="none" spc="0" normalizeH="0" baseline="0" noProof="0" dirty="0">
+                <a:ln>
+                  <a:noFill/>
+                </a:ln>
+                <a:solidFill>
+                  <a:srgbClr val="000000"/>
+                </a:solidFill>
+                <a:effectLst/>
+                <a:uLnTx/>
+                <a:uFillTx/>
+                <a:latin typeface="Calibri" charset="0"/>
+                <a:ea typeface="ＭＳ Ｐゴシック" charset="-128"/>
+                <a:cs typeface="+mn-cs"/>
+              </a:rPr>
+              <a:t>Text</a:t>
+            </a:r>
+          </a:p>
+          <a:p>
+            <a:pPr marL="0" marR="0" lvl="0" indent="0" algn="l" defTabSz="2949575" rtl="0" eaLnBrk="1" fontAlgn="base" latinLnBrk="0" hangingPunct="1">
+              <a:lnSpc>
+                <a:spcPts val="3200"/>
+              </a:lnSpc>
+              <a:spcBef>
+                <a:spcPct val="0"/>
+              </a:spcBef>
+              <a:spcAft>
+                <a:spcPct val="0"/>
+              </a:spcAft>
+              <a:buClrTx/>
+              <a:buSzTx/>
+              <a:buFontTx/>
+              <a:buNone/>
+              <a:tabLst/>
+              <a:defRPr/>
+            </a:pPr>
+            <a:endParaRPr lang="en-US" sz="2400" dirty="0">
+              <a:solidFill>
+                <a:srgbClr val="000000"/>
+              </a:solidFill>
+              <a:latin typeface="Calibri" charset="0"/>
+            </a:endParaRPr>
+          </a:p>
+          <a:p>
+            <a:pPr marL="0" marR="0" lvl="0" indent="0" algn="l" defTabSz="2949575" rtl="0" eaLnBrk="1" fontAlgn="base" latinLnBrk="0" hangingPunct="1">
+              <a:lnSpc>
+                <a:spcPts val="3200"/>
+              </a:lnSpc>
+              <a:spcBef>
+                <a:spcPct val="0"/>
+              </a:spcBef>
+              <a:spcAft>
+                <a:spcPct val="0"/>
+              </a:spcAft>
+              <a:buClrTx/>
+              <a:buSzTx/>
+              <a:buFontTx/>
+              <a:buNone/>
+              <a:tabLst/>
+              <a:defRPr/>
+            </a:pPr>
+            <a:r>
+              <a:rPr kumimoji="0" lang="en-US" sz="4400" b="1" i="0" u="none" strike="noStrike" kern="1200" cap="none" spc="0" normalizeH="0" baseline="0" noProof="0" dirty="0">
+                <a:ln>
+                  <a:noFill/>
+                </a:ln>
+                <a:solidFill>
+                  <a:srgbClr val="0066CC"/>
+                </a:solidFill>
+                <a:effectLst/>
+                <a:uLnTx/>
+                <a:uFillTx/>
+                <a:latin typeface="Calibri" charset="0"/>
+                <a:ea typeface="ＭＳ Ｐゴシック" charset="-128"/>
+                <a:cs typeface="+mn-cs"/>
+              </a:rPr>
+              <a:t>Question 5</a:t>
+            </a:r>
+          </a:p>
+          <a:p>
+            <a:pPr marL="0" marR="0" lvl="0" indent="0" algn="l" defTabSz="2949575" rtl="0" eaLnBrk="1" fontAlgn="base" latinLnBrk="0" hangingPunct="1">
+              <a:lnSpc>
+                <a:spcPts val="3200"/>
+              </a:lnSpc>
+              <a:spcBef>
+                <a:spcPct val="0"/>
+              </a:spcBef>
+              <a:spcAft>
+                <a:spcPct val="0"/>
+              </a:spcAft>
+              <a:buClrTx/>
+              <a:buSzTx/>
+              <a:buFontTx/>
+              <a:buNone/>
+              <a:tabLst/>
+              <a:defRPr/>
+            </a:pPr>
+            <a:endParaRPr kumimoji="0" lang="en-US" sz="4400" b="0" i="0" u="none" strike="noStrike" kern="1200" cap="none" spc="0" normalizeH="0" baseline="0" noProof="0" dirty="0">
+              <a:ln>
+                <a:noFill/>
+              </a:ln>
+              <a:solidFill>
+                <a:srgbClr val="000000"/>
+              </a:solidFill>
+              <a:effectLst/>
+              <a:uLnTx/>
+              <a:uFillTx/>
+              <a:latin typeface="Calibri" charset="0"/>
+              <a:ea typeface="ＭＳ Ｐゴシック" charset="-128"/>
+              <a:cs typeface="+mn-cs"/>
+            </a:endParaRPr>
+          </a:p>
+          <a:p>
+            <a:pPr marL="0" marR="0" lvl="0" indent="0" algn="l" defTabSz="2949575" rtl="0" eaLnBrk="1" fontAlgn="base" latinLnBrk="0" hangingPunct="1">
+              <a:lnSpc>
+                <a:spcPts val="3200"/>
+              </a:lnSpc>
+              <a:spcBef>
+                <a:spcPct val="0"/>
+              </a:spcBef>
+              <a:spcAft>
+                <a:spcPct val="0"/>
+              </a:spcAft>
+              <a:buClrTx/>
+              <a:buSzTx/>
+              <a:buFontTx/>
+              <a:buNone/>
+              <a:tabLst/>
+              <a:defRPr/>
+            </a:pPr>
+            <a:r>
+              <a:rPr kumimoji="0" lang="en-US" sz="2400" b="1" i="0" u="none" strike="noStrike" kern="1200" cap="none" spc="0" normalizeH="0" baseline="0" noProof="0" dirty="0">
+                <a:ln>
+                  <a:noFill/>
+                </a:ln>
+                <a:solidFill>
+                  <a:srgbClr val="000000"/>
+                </a:solidFill>
+                <a:effectLst/>
+                <a:uLnTx/>
+                <a:uFillTx/>
+                <a:latin typeface="Calibri" charset="0"/>
+                <a:ea typeface="ＭＳ Ｐゴシック" charset="-128"/>
+                <a:cs typeface="+mn-cs"/>
+              </a:rPr>
+              <a:t>Bold</a:t>
+            </a:r>
+            <a:endParaRPr kumimoji="0" lang="en-US" sz="4400" b="1" i="0" u="none" strike="noStrike" kern="1200" cap="none" spc="0" normalizeH="0" baseline="0" noProof="0" dirty="0">
+              <a:ln>
+                <a:noFill/>
+              </a:ln>
+              <a:solidFill>
+                <a:srgbClr val="0066CC"/>
+              </a:solidFill>
+              <a:effectLst/>
+              <a:uLnTx/>
+              <a:uFillTx/>
+              <a:latin typeface="Calibri" charset="0"/>
+              <a:ea typeface="ＭＳ Ｐゴシック" charset="-128"/>
+              <a:cs typeface="+mn-cs"/>
+            </a:endParaRPr>
+          </a:p>
+          <a:p>
+            <a:pPr marL="0" marR="0" lvl="0" indent="0" algn="l" defTabSz="2949575" rtl="0" eaLnBrk="1" fontAlgn="base" latinLnBrk="0" hangingPunct="1">
+              <a:lnSpc>
+                <a:spcPts val="3200"/>
+              </a:lnSpc>
+              <a:spcBef>
+                <a:spcPct val="0"/>
+              </a:spcBef>
+              <a:spcAft>
+                <a:spcPct val="0"/>
+              </a:spcAft>
+              <a:buClrTx/>
+              <a:buSzTx/>
+              <a:buFontTx/>
+              <a:buNone/>
+              <a:tabLst/>
+              <a:defRPr/>
+            </a:pPr>
+            <a:r>
+              <a:rPr kumimoji="0" lang="en-US" sz="2400" b="0" i="0" u="none" strike="noStrike" kern="1200" cap="none" spc="0" normalizeH="0" baseline="0" noProof="0" dirty="0">
+                <a:ln>
+                  <a:noFill/>
+                </a:ln>
+                <a:solidFill>
+                  <a:srgbClr val="000000"/>
+                </a:solidFill>
+                <a:effectLst/>
+                <a:uLnTx/>
+                <a:uFillTx/>
+                <a:latin typeface="Calibri" charset="0"/>
+                <a:ea typeface="ＭＳ Ｐゴシック" charset="-128"/>
+                <a:cs typeface="+mn-cs"/>
+              </a:rPr>
+              <a:t>Text</a:t>
+            </a:r>
+          </a:p>
+          <a:p>
+            <a:pPr marL="0" marR="0" lvl="0" indent="0" algn="l" defTabSz="2949575" rtl="0" eaLnBrk="1" fontAlgn="base" latinLnBrk="0" hangingPunct="1">
+              <a:lnSpc>
+                <a:spcPts val="3200"/>
+              </a:lnSpc>
+              <a:spcBef>
+                <a:spcPct val="0"/>
+              </a:spcBef>
+              <a:spcAft>
+                <a:spcPct val="0"/>
+              </a:spcAft>
+              <a:buClrTx/>
+              <a:buSzTx/>
+              <a:buFontTx/>
+              <a:buNone/>
+              <a:tabLst/>
+              <a:defRPr/>
+            </a:pPr>
+            <a:endParaRPr kumimoji="0" lang="en-US" sz="2400" b="0" i="0" u="none" strike="noStrike" kern="1200" cap="none" spc="0" normalizeH="0" baseline="0" noProof="0" dirty="0">
+              <a:ln>
+                <a:noFill/>
+              </a:ln>
+              <a:solidFill>
+                <a:srgbClr val="000000"/>
+              </a:solidFill>
+              <a:effectLst/>
+              <a:uLnTx/>
+              <a:uFillTx/>
+              <a:latin typeface="Calibri" charset="0"/>
+              <a:ea typeface="ＭＳ Ｐゴシック" charset="-128"/>
+              <a:cs typeface="+mn-cs"/>
+            </a:endParaRPr>
+          </a:p>
+          <a:p>
+            <a:pPr marL="0" marR="0" lvl="0" indent="0" algn="l" defTabSz="2949575" rtl="0" eaLnBrk="1" fontAlgn="base" latinLnBrk="0" hangingPunct="1">
+              <a:lnSpc>
+                <a:spcPts val="3200"/>
+              </a:lnSpc>
+              <a:spcBef>
+                <a:spcPct val="0"/>
+              </a:spcBef>
+              <a:spcAft>
+                <a:spcPct val="0"/>
+              </a:spcAft>
+              <a:buClrTx/>
+              <a:buSzTx/>
+              <a:buFontTx/>
+              <a:buNone/>
+              <a:tabLst/>
+              <a:defRPr/>
+            </a:pPr>
+            <a:r>
+              <a:rPr kumimoji="0" lang="en-US" sz="4400" b="1" i="0" u="none" strike="noStrike" kern="1200" cap="none" spc="0" normalizeH="0" baseline="0" noProof="0" dirty="0">
+                <a:ln>
+                  <a:noFill/>
+                </a:ln>
+                <a:solidFill>
+                  <a:srgbClr val="0066CC"/>
+                </a:solidFill>
+                <a:effectLst/>
+                <a:uLnTx/>
+                <a:uFillTx/>
+                <a:latin typeface="Calibri" charset="0"/>
+                <a:ea typeface="ＭＳ Ｐゴシック" charset="-128"/>
+                <a:cs typeface="+mn-cs"/>
+              </a:rPr>
+              <a:t>Ethical and other aspects</a:t>
+            </a:r>
+          </a:p>
+          <a:p>
+            <a:pPr marL="0" marR="0" lvl="0" indent="0" algn="l" defTabSz="2949575" rtl="0" eaLnBrk="1" fontAlgn="base" latinLnBrk="0" hangingPunct="1">
+              <a:lnSpc>
+                <a:spcPts val="3200"/>
+              </a:lnSpc>
+              <a:spcBef>
+                <a:spcPct val="0"/>
+              </a:spcBef>
+              <a:spcAft>
+                <a:spcPct val="0"/>
+              </a:spcAft>
+              <a:buClrTx/>
+              <a:buSzTx/>
+              <a:buFontTx/>
+              <a:buNone/>
+              <a:tabLst/>
+              <a:defRPr/>
+            </a:pPr>
+            <a:endParaRPr kumimoji="0" lang="en-US" sz="4400" b="0" i="0" u="none" strike="noStrike" kern="1200" cap="none" spc="0" normalizeH="0" baseline="0" noProof="0" dirty="0">
+              <a:ln>
+                <a:noFill/>
+              </a:ln>
+              <a:solidFill>
+                <a:srgbClr val="000000"/>
+              </a:solidFill>
+              <a:effectLst/>
+              <a:uLnTx/>
+              <a:uFillTx/>
+              <a:latin typeface="Calibri" charset="0"/>
+              <a:ea typeface="ＭＳ Ｐゴシック" charset="-128"/>
+              <a:cs typeface="+mn-cs"/>
+            </a:endParaRPr>
+          </a:p>
+          <a:p>
+            <a:pPr marL="0" marR="0" lvl="0" indent="0" algn="l" defTabSz="2949575" rtl="0" eaLnBrk="1" fontAlgn="base" latinLnBrk="0" hangingPunct="1">
+              <a:lnSpc>
+                <a:spcPts val="3200"/>
+              </a:lnSpc>
+              <a:spcBef>
+                <a:spcPct val="0"/>
+              </a:spcBef>
+              <a:spcAft>
+                <a:spcPct val="0"/>
+              </a:spcAft>
+              <a:buClrTx/>
+              <a:buSzTx/>
+              <a:buFontTx/>
+              <a:buNone/>
+              <a:tabLst/>
+              <a:defRPr/>
+            </a:pPr>
+            <a:r>
+              <a:rPr kumimoji="0" lang="en-US" sz="2400" b="1" i="0" u="none" strike="noStrike" kern="1200" cap="none" spc="0" normalizeH="0" baseline="0" noProof="0" dirty="0">
+                <a:ln>
+                  <a:noFill/>
+                </a:ln>
+                <a:solidFill>
+                  <a:srgbClr val="000000"/>
+                </a:solidFill>
+                <a:effectLst/>
+                <a:uLnTx/>
+                <a:uFillTx/>
+                <a:latin typeface="Calibri" charset="0"/>
+                <a:ea typeface="ＭＳ Ｐゴシック" charset="-128"/>
+                <a:cs typeface="+mn-cs"/>
+              </a:rPr>
+              <a:t>Bold</a:t>
+            </a:r>
+            <a:endParaRPr kumimoji="0" lang="en-US" sz="4400" b="1" i="0" u="none" strike="noStrike" kern="1200" cap="none" spc="0" normalizeH="0" baseline="0" noProof="0" dirty="0">
+              <a:ln>
+                <a:noFill/>
+              </a:ln>
+              <a:solidFill>
+                <a:srgbClr val="0066CC"/>
+              </a:solidFill>
+              <a:effectLst/>
+              <a:uLnTx/>
+              <a:uFillTx/>
+              <a:latin typeface="Calibri" charset="0"/>
+              <a:ea typeface="ＭＳ Ｐゴシック" charset="-128"/>
+              <a:cs typeface="+mn-cs"/>
+            </a:endParaRPr>
+          </a:p>
+          <a:p>
+            <a:pPr marL="0" marR="0" lvl="0" indent="0" algn="l" defTabSz="2949575" rtl="0" eaLnBrk="1" fontAlgn="base" latinLnBrk="0" hangingPunct="1">
+              <a:lnSpc>
+                <a:spcPts val="3200"/>
+              </a:lnSpc>
+              <a:spcBef>
+                <a:spcPct val="0"/>
+              </a:spcBef>
+              <a:spcAft>
+                <a:spcPct val="0"/>
+              </a:spcAft>
+              <a:buClrTx/>
+              <a:buSzTx/>
+              <a:buFontTx/>
+              <a:buNone/>
+              <a:tabLst/>
+              <a:defRPr/>
+            </a:pPr>
+            <a:r>
+              <a:rPr kumimoji="0" lang="en-US" sz="2400" b="0" i="0" u="none" strike="noStrike" kern="1200" cap="none" spc="0" normalizeH="0" baseline="0" noProof="0" dirty="0">
+                <a:ln>
+                  <a:noFill/>
+                </a:ln>
+                <a:solidFill>
+                  <a:srgbClr val="000000"/>
+                </a:solidFill>
+                <a:effectLst/>
+                <a:uLnTx/>
+                <a:uFillTx/>
+                <a:latin typeface="Calibri" charset="0"/>
+                <a:ea typeface="ＭＳ Ｐゴシック" charset="-128"/>
+                <a:cs typeface="+mn-cs"/>
+              </a:rPr>
+              <a:t>Text</a:t>
+            </a:r>
+          </a:p>
+          <a:p>
+            <a:pPr marL="0" marR="0" lvl="0" indent="0" algn="l" defTabSz="2949575" rtl="0" eaLnBrk="1" fontAlgn="base" latinLnBrk="0" hangingPunct="1">
+              <a:lnSpc>
+                <a:spcPts val="3200"/>
+              </a:lnSpc>
+              <a:spcBef>
+                <a:spcPct val="0"/>
+              </a:spcBef>
+              <a:spcAft>
+                <a:spcPct val="0"/>
+              </a:spcAft>
+              <a:buClrTx/>
+              <a:buSzTx/>
+              <a:buFontTx/>
+              <a:buNone/>
+              <a:tabLst/>
+              <a:defRPr/>
+            </a:pPr>
+            <a:endParaRPr kumimoji="0" lang="en-US" sz="2400" b="0" i="0" u="none" strike="noStrike" kern="1200" cap="none" spc="0" normalizeH="0" baseline="0" noProof="0" dirty="0">
+              <a:ln>
+                <a:noFill/>
+              </a:ln>
+              <a:solidFill>
+                <a:srgbClr val="000000"/>
+              </a:solidFill>
+              <a:effectLst/>
+              <a:uLnTx/>
+              <a:uFillTx/>
+              <a:latin typeface="Calibri" charset="0"/>
+              <a:ea typeface="ＭＳ Ｐゴシック" charset="-128"/>
+              <a:cs typeface="+mn-cs"/>
+            </a:endParaRPr>
+          </a:p>
+          <a:p>
+            <a:pPr marL="0" marR="0" lvl="0" indent="0" algn="l" defTabSz="2949575" rtl="0" eaLnBrk="1" fontAlgn="base" latinLnBrk="0" hangingPunct="1">
+              <a:lnSpc>
+                <a:spcPts val="3200"/>
+              </a:lnSpc>
+              <a:spcBef>
+                <a:spcPct val="0"/>
+              </a:spcBef>
+              <a:spcAft>
+                <a:spcPct val="0"/>
+              </a:spcAft>
+              <a:buClrTx/>
+              <a:buSzTx/>
+              <a:buFontTx/>
+              <a:buNone/>
+              <a:tabLst/>
+              <a:defRPr/>
+            </a:pPr>
+            <a:endParaRPr kumimoji="0" lang="en-US" sz="2400" b="0" i="0" u="none" strike="noStrike" kern="1200" cap="none" spc="0" normalizeH="0" baseline="0" noProof="0" dirty="0">
+              <a:ln>
+                <a:noFill/>
+              </a:ln>
+              <a:solidFill>
+                <a:srgbClr val="000000"/>
+              </a:solidFill>
+              <a:effectLst/>
+              <a:uLnTx/>
+              <a:uFillTx/>
+              <a:latin typeface="Calibri" charset="0"/>
+              <a:ea typeface="ＭＳ Ｐゴシック" charset="-128"/>
+              <a:cs typeface="+mn-cs"/>
+            </a:endParaRPr>
+          </a:p>
+          <a:p>
+            <a:pPr marL="0" marR="0" lvl="0" indent="0" algn="l" defTabSz="2949575" rtl="0" eaLnBrk="1" fontAlgn="base" latinLnBrk="0" hangingPunct="1">
+              <a:lnSpc>
+                <a:spcPts val="3200"/>
+              </a:lnSpc>
+              <a:spcBef>
+                <a:spcPct val="0"/>
+              </a:spcBef>
+              <a:spcAft>
+                <a:spcPct val="0"/>
+              </a:spcAft>
+              <a:buClrTx/>
+              <a:buSzTx/>
+              <a:buFontTx/>
+              <a:buNone/>
+              <a:tabLst/>
+              <a:defRPr/>
+            </a:pPr>
+            <a:endParaRPr lang="en-US" sz="2400" dirty="0">
+              <a:solidFill>
+                <a:srgbClr val="000000"/>
+              </a:solidFill>
+              <a:latin typeface="Calibri" charset="0"/>
             </a:endParaRPr>
           </a:p>
           <a:p>
